--- a/ppt 16-9/1025.神的心愿.pptx
+++ b/ppt 16-9/1025.神的心愿.pptx
@@ -5,7 +5,7 @@
     <p:sldMasterId id="2147483648" r:id="rId1"/>
   </p:sldMasterIdLst>
   <p:sldIdLst>
-    <p:sldId id="449" r:id="rId2"/>
+    <p:sldId id="451" r:id="rId2"/>
   </p:sldIdLst>
   <p:sldSz cx="12192000" cy="6858000"/>
   <p:notesSz cx="6858000" cy="9144000"/>
@@ -129,7 +129,7 @@
           <p:cNvPr id="2" name="标题 1">
             <a:extLst>
               <a:ext uri="{FF2B5EF4-FFF2-40B4-BE49-F238E27FC236}">
-                <a16:creationId xmlns:a16="http://schemas.microsoft.com/office/drawing/2014/main" id="{050269C1-E080-264F-3401-9A08002EA7DE}"/>
+                <a16:creationId xmlns:a16="http://schemas.microsoft.com/office/drawing/2014/main" id="{1AC0A9BD-C247-A348-3049-61F01EBE2D4D}"/>
               </a:ext>
             </a:extLst>
           </p:cNvPr>
@@ -166,7 +166,7 @@
           <p:cNvPr id="3" name="副标题 2">
             <a:extLst>
               <a:ext uri="{FF2B5EF4-FFF2-40B4-BE49-F238E27FC236}">
-                <a16:creationId xmlns:a16="http://schemas.microsoft.com/office/drawing/2014/main" id="{DF3A01EF-293D-7397-9EDF-01F39E6689D0}"/>
+                <a16:creationId xmlns:a16="http://schemas.microsoft.com/office/drawing/2014/main" id="{9A065D2C-1C14-5D6D-8590-B9881A262769}"/>
               </a:ext>
             </a:extLst>
           </p:cNvPr>
@@ -236,7 +236,7 @@
           <p:cNvPr id="4" name="日期占位符 3">
             <a:extLst>
               <a:ext uri="{FF2B5EF4-FFF2-40B4-BE49-F238E27FC236}">
-                <a16:creationId xmlns:a16="http://schemas.microsoft.com/office/drawing/2014/main" id="{115BCDCC-76B5-51D5-A2FB-2A955CB491B2}"/>
+                <a16:creationId xmlns:a16="http://schemas.microsoft.com/office/drawing/2014/main" id="{731051B3-2288-2561-0348-075FE0DA1047}"/>
               </a:ext>
             </a:extLst>
           </p:cNvPr>
@@ -252,7 +252,7 @@
           <a:bodyPr/>
           <a:lstStyle/>
           <a:p>
-            <a:fld id="{8A3BF521-FAF5-4248-9DC6-854EA6502A6D}" type="datetimeFigureOut">
+            <a:fld id="{A148FCFC-6AC7-45AD-A03F-F23A1D90B9B7}" type="datetimeFigureOut">
               <a:rPr lang="zh-CN" altLang="en-US" smtClean="0"/>
               <a:t>2024/3/10</a:t>
             </a:fld>
@@ -265,7 +265,7 @@
           <p:cNvPr id="5" name="页脚占位符 4">
             <a:extLst>
               <a:ext uri="{FF2B5EF4-FFF2-40B4-BE49-F238E27FC236}">
-                <a16:creationId xmlns:a16="http://schemas.microsoft.com/office/drawing/2014/main" id="{11D1871E-CE38-B2A0-0480-E81448863448}"/>
+                <a16:creationId xmlns:a16="http://schemas.microsoft.com/office/drawing/2014/main" id="{FB408825-8125-A82D-0458-9A158D3F2714}"/>
               </a:ext>
             </a:extLst>
           </p:cNvPr>
@@ -290,7 +290,7 @@
           <p:cNvPr id="6" name="灯片编号占位符 5">
             <a:extLst>
               <a:ext uri="{FF2B5EF4-FFF2-40B4-BE49-F238E27FC236}">
-                <a16:creationId xmlns:a16="http://schemas.microsoft.com/office/drawing/2014/main" id="{3569DAE1-B176-6515-B225-8C3D904402FB}"/>
+                <a16:creationId xmlns:a16="http://schemas.microsoft.com/office/drawing/2014/main" id="{C4932D8B-801E-E831-5E19-791C11AE928B}"/>
               </a:ext>
             </a:extLst>
           </p:cNvPr>
@@ -306,7 +306,7 @@
           <a:bodyPr/>
           <a:lstStyle/>
           <a:p>
-            <a:fld id="{B01B8BA1-1AB6-4131-8C62-4F5E3A681A53}" type="slidenum">
+            <a:fld id="{1C4B429D-50BE-4C6E-A107-F97EEDEA341A}" type="slidenum">
               <a:rPr lang="zh-CN" altLang="en-US" smtClean="0"/>
               <a:t>‹#›</a:t>
             </a:fld>
@@ -317,7 +317,7 @@
     </p:spTree>
     <p:extLst>
       <p:ext uri="{BB962C8B-B14F-4D97-AF65-F5344CB8AC3E}">
-        <p14:creationId xmlns:p14="http://schemas.microsoft.com/office/powerpoint/2010/main" val="782952568"/>
+        <p14:creationId xmlns:p14="http://schemas.microsoft.com/office/powerpoint/2010/main" val="2630008783"/>
       </p:ext>
     </p:extLst>
   </p:cSld>
@@ -349,7 +349,7 @@
           <p:cNvPr id="2" name="标题 1">
             <a:extLst>
               <a:ext uri="{FF2B5EF4-FFF2-40B4-BE49-F238E27FC236}">
-                <a16:creationId xmlns:a16="http://schemas.microsoft.com/office/drawing/2014/main" id="{E9DBF8C4-732A-3F19-15FE-069BF1088B3D}"/>
+                <a16:creationId xmlns:a16="http://schemas.microsoft.com/office/drawing/2014/main" id="{28270054-B1E2-B128-5F0B-84D065E830A4}"/>
               </a:ext>
             </a:extLst>
           </p:cNvPr>
@@ -377,7 +377,7 @@
           <p:cNvPr id="3" name="竖排文字占位符 2">
             <a:extLst>
               <a:ext uri="{FF2B5EF4-FFF2-40B4-BE49-F238E27FC236}">
-                <a16:creationId xmlns:a16="http://schemas.microsoft.com/office/drawing/2014/main" id="{52195646-FF5C-910E-4EE6-CD9988963F1B}"/>
+                <a16:creationId xmlns:a16="http://schemas.microsoft.com/office/drawing/2014/main" id="{C8928E15-CAA9-9950-B742-9627FFC21CB5}"/>
               </a:ext>
             </a:extLst>
           </p:cNvPr>
@@ -434,7 +434,7 @@
           <p:cNvPr id="4" name="日期占位符 3">
             <a:extLst>
               <a:ext uri="{FF2B5EF4-FFF2-40B4-BE49-F238E27FC236}">
-                <a16:creationId xmlns:a16="http://schemas.microsoft.com/office/drawing/2014/main" id="{777A4C17-46A8-D5EF-A1AB-7C9947C3C4F2}"/>
+                <a16:creationId xmlns:a16="http://schemas.microsoft.com/office/drawing/2014/main" id="{78C6F05E-8368-147D-A9B3-396ADB4F8B3B}"/>
               </a:ext>
             </a:extLst>
           </p:cNvPr>
@@ -450,7 +450,7 @@
           <a:bodyPr/>
           <a:lstStyle/>
           <a:p>
-            <a:fld id="{8A3BF521-FAF5-4248-9DC6-854EA6502A6D}" type="datetimeFigureOut">
+            <a:fld id="{A148FCFC-6AC7-45AD-A03F-F23A1D90B9B7}" type="datetimeFigureOut">
               <a:rPr lang="zh-CN" altLang="en-US" smtClean="0"/>
               <a:t>2024/3/10</a:t>
             </a:fld>
@@ -463,7 +463,7 @@
           <p:cNvPr id="5" name="页脚占位符 4">
             <a:extLst>
               <a:ext uri="{FF2B5EF4-FFF2-40B4-BE49-F238E27FC236}">
-                <a16:creationId xmlns:a16="http://schemas.microsoft.com/office/drawing/2014/main" id="{C7BF26B5-FD84-B438-8FC4-970C1F042B00}"/>
+                <a16:creationId xmlns:a16="http://schemas.microsoft.com/office/drawing/2014/main" id="{715790CD-646B-B29C-7854-6A9E89DB6799}"/>
               </a:ext>
             </a:extLst>
           </p:cNvPr>
@@ -488,7 +488,7 @@
           <p:cNvPr id="6" name="灯片编号占位符 5">
             <a:extLst>
               <a:ext uri="{FF2B5EF4-FFF2-40B4-BE49-F238E27FC236}">
-                <a16:creationId xmlns:a16="http://schemas.microsoft.com/office/drawing/2014/main" id="{AD7EF3F3-FE07-7762-231F-5E2429F2DC04}"/>
+                <a16:creationId xmlns:a16="http://schemas.microsoft.com/office/drawing/2014/main" id="{1E58D05A-CD04-D28E-1A91-FCDA035A40C5}"/>
               </a:ext>
             </a:extLst>
           </p:cNvPr>
@@ -504,7 +504,7 @@
           <a:bodyPr/>
           <a:lstStyle/>
           <a:p>
-            <a:fld id="{B01B8BA1-1AB6-4131-8C62-4F5E3A681A53}" type="slidenum">
+            <a:fld id="{1C4B429D-50BE-4C6E-A107-F97EEDEA341A}" type="slidenum">
               <a:rPr lang="zh-CN" altLang="en-US" smtClean="0"/>
               <a:t>‹#›</a:t>
             </a:fld>
@@ -515,7 +515,7 @@
     </p:spTree>
     <p:extLst>
       <p:ext uri="{BB962C8B-B14F-4D97-AF65-F5344CB8AC3E}">
-        <p14:creationId xmlns:p14="http://schemas.microsoft.com/office/powerpoint/2010/main" val="2272295104"/>
+        <p14:creationId xmlns:p14="http://schemas.microsoft.com/office/powerpoint/2010/main" val="2367801731"/>
       </p:ext>
     </p:extLst>
   </p:cSld>
@@ -547,7 +547,7 @@
           <p:cNvPr id="2" name="竖排标题 1">
             <a:extLst>
               <a:ext uri="{FF2B5EF4-FFF2-40B4-BE49-F238E27FC236}">
-                <a16:creationId xmlns:a16="http://schemas.microsoft.com/office/drawing/2014/main" id="{24EA5982-35F5-1B84-C393-7B9D71860087}"/>
+                <a16:creationId xmlns:a16="http://schemas.microsoft.com/office/drawing/2014/main" id="{57C1F4CF-56FC-07A2-561E-5E9E4854B776}"/>
               </a:ext>
             </a:extLst>
           </p:cNvPr>
@@ -580,7 +580,7 @@
           <p:cNvPr id="3" name="竖排文字占位符 2">
             <a:extLst>
               <a:ext uri="{FF2B5EF4-FFF2-40B4-BE49-F238E27FC236}">
-                <a16:creationId xmlns:a16="http://schemas.microsoft.com/office/drawing/2014/main" id="{29610ECD-896A-BBB1-FBF8-3B619E7A71A8}"/>
+                <a16:creationId xmlns:a16="http://schemas.microsoft.com/office/drawing/2014/main" id="{796B4C5F-5A9A-3E17-8F37-4CBB2711345A}"/>
               </a:ext>
             </a:extLst>
           </p:cNvPr>
@@ -642,7 +642,7 @@
           <p:cNvPr id="4" name="日期占位符 3">
             <a:extLst>
               <a:ext uri="{FF2B5EF4-FFF2-40B4-BE49-F238E27FC236}">
-                <a16:creationId xmlns:a16="http://schemas.microsoft.com/office/drawing/2014/main" id="{67CD045E-8CA0-01DF-245C-3B34B5F89FD1}"/>
+                <a16:creationId xmlns:a16="http://schemas.microsoft.com/office/drawing/2014/main" id="{BA3A4CF2-2130-69DA-4F1F-54077CDB4B48}"/>
               </a:ext>
             </a:extLst>
           </p:cNvPr>
@@ -658,7 +658,7 @@
           <a:bodyPr/>
           <a:lstStyle/>
           <a:p>
-            <a:fld id="{8A3BF521-FAF5-4248-9DC6-854EA6502A6D}" type="datetimeFigureOut">
+            <a:fld id="{A148FCFC-6AC7-45AD-A03F-F23A1D90B9B7}" type="datetimeFigureOut">
               <a:rPr lang="zh-CN" altLang="en-US" smtClean="0"/>
               <a:t>2024/3/10</a:t>
             </a:fld>
@@ -671,7 +671,7 @@
           <p:cNvPr id="5" name="页脚占位符 4">
             <a:extLst>
               <a:ext uri="{FF2B5EF4-FFF2-40B4-BE49-F238E27FC236}">
-                <a16:creationId xmlns:a16="http://schemas.microsoft.com/office/drawing/2014/main" id="{1F34101C-DE06-CF89-9ED0-A62CD0C882FE}"/>
+                <a16:creationId xmlns:a16="http://schemas.microsoft.com/office/drawing/2014/main" id="{97BA6CF4-3D14-1116-FD91-E8BC5AC18A2B}"/>
               </a:ext>
             </a:extLst>
           </p:cNvPr>
@@ -696,7 +696,7 @@
           <p:cNvPr id="6" name="灯片编号占位符 5">
             <a:extLst>
               <a:ext uri="{FF2B5EF4-FFF2-40B4-BE49-F238E27FC236}">
-                <a16:creationId xmlns:a16="http://schemas.microsoft.com/office/drawing/2014/main" id="{4974E407-BD2B-0325-A704-18D9C12750CE}"/>
+                <a16:creationId xmlns:a16="http://schemas.microsoft.com/office/drawing/2014/main" id="{3FA45FA9-F542-A4B8-A50C-C04EB1856D08}"/>
               </a:ext>
             </a:extLst>
           </p:cNvPr>
@@ -712,7 +712,7 @@
           <a:bodyPr/>
           <a:lstStyle/>
           <a:p>
-            <a:fld id="{B01B8BA1-1AB6-4131-8C62-4F5E3A681A53}" type="slidenum">
+            <a:fld id="{1C4B429D-50BE-4C6E-A107-F97EEDEA341A}" type="slidenum">
               <a:rPr lang="zh-CN" altLang="en-US" smtClean="0"/>
               <a:t>‹#›</a:t>
             </a:fld>
@@ -723,7 +723,7 @@
     </p:spTree>
     <p:extLst>
       <p:ext uri="{BB962C8B-B14F-4D97-AF65-F5344CB8AC3E}">
-        <p14:creationId xmlns:p14="http://schemas.microsoft.com/office/powerpoint/2010/main" val="2703068792"/>
+        <p14:creationId xmlns:p14="http://schemas.microsoft.com/office/powerpoint/2010/main" val="3936618575"/>
       </p:ext>
     </p:extLst>
   </p:cSld>
@@ -755,7 +755,7 @@
           <p:cNvPr id="2" name="标题 1">
             <a:extLst>
               <a:ext uri="{FF2B5EF4-FFF2-40B4-BE49-F238E27FC236}">
-                <a16:creationId xmlns:a16="http://schemas.microsoft.com/office/drawing/2014/main" id="{AEAB42B0-D187-225C-FF46-9D3D759E63EC}"/>
+                <a16:creationId xmlns:a16="http://schemas.microsoft.com/office/drawing/2014/main" id="{ACC62C50-E796-53BC-DFA5-D16D1062196A}"/>
               </a:ext>
             </a:extLst>
           </p:cNvPr>
@@ -783,7 +783,7 @@
           <p:cNvPr id="3" name="内容占位符 2">
             <a:extLst>
               <a:ext uri="{FF2B5EF4-FFF2-40B4-BE49-F238E27FC236}">
-                <a16:creationId xmlns:a16="http://schemas.microsoft.com/office/drawing/2014/main" id="{3F382986-077F-68B1-A1E6-24DC6250D4E5}"/>
+                <a16:creationId xmlns:a16="http://schemas.microsoft.com/office/drawing/2014/main" id="{F10924DE-0614-CB74-0A72-F8C5EF55A104}"/>
               </a:ext>
             </a:extLst>
           </p:cNvPr>
@@ -840,7 +840,7 @@
           <p:cNvPr id="4" name="日期占位符 3">
             <a:extLst>
               <a:ext uri="{FF2B5EF4-FFF2-40B4-BE49-F238E27FC236}">
-                <a16:creationId xmlns:a16="http://schemas.microsoft.com/office/drawing/2014/main" id="{8C106D72-7BF9-979B-1023-FFE5A04C81CB}"/>
+                <a16:creationId xmlns:a16="http://schemas.microsoft.com/office/drawing/2014/main" id="{1B95519B-4443-F85C-1A2A-D8F9635C653A}"/>
               </a:ext>
             </a:extLst>
           </p:cNvPr>
@@ -856,7 +856,7 @@
           <a:bodyPr/>
           <a:lstStyle/>
           <a:p>
-            <a:fld id="{8A3BF521-FAF5-4248-9DC6-854EA6502A6D}" type="datetimeFigureOut">
+            <a:fld id="{A148FCFC-6AC7-45AD-A03F-F23A1D90B9B7}" type="datetimeFigureOut">
               <a:rPr lang="zh-CN" altLang="en-US" smtClean="0"/>
               <a:t>2024/3/10</a:t>
             </a:fld>
@@ -869,7 +869,7 @@
           <p:cNvPr id="5" name="页脚占位符 4">
             <a:extLst>
               <a:ext uri="{FF2B5EF4-FFF2-40B4-BE49-F238E27FC236}">
-                <a16:creationId xmlns:a16="http://schemas.microsoft.com/office/drawing/2014/main" id="{12514070-5A4E-3D88-91B0-E600E245C7E9}"/>
+                <a16:creationId xmlns:a16="http://schemas.microsoft.com/office/drawing/2014/main" id="{13711836-D60A-2A15-99CE-C522733D52CD}"/>
               </a:ext>
             </a:extLst>
           </p:cNvPr>
@@ -894,7 +894,7 @@
           <p:cNvPr id="6" name="灯片编号占位符 5">
             <a:extLst>
               <a:ext uri="{FF2B5EF4-FFF2-40B4-BE49-F238E27FC236}">
-                <a16:creationId xmlns:a16="http://schemas.microsoft.com/office/drawing/2014/main" id="{D6CC0D3B-0D5C-155C-A2C7-F4440DB2AD06}"/>
+                <a16:creationId xmlns:a16="http://schemas.microsoft.com/office/drawing/2014/main" id="{B6B3110F-6A19-A02F-3AF5-ED3CADB748B9}"/>
               </a:ext>
             </a:extLst>
           </p:cNvPr>
@@ -910,7 +910,7 @@
           <a:bodyPr/>
           <a:lstStyle/>
           <a:p>
-            <a:fld id="{B01B8BA1-1AB6-4131-8C62-4F5E3A681A53}" type="slidenum">
+            <a:fld id="{1C4B429D-50BE-4C6E-A107-F97EEDEA341A}" type="slidenum">
               <a:rPr lang="zh-CN" altLang="en-US" smtClean="0"/>
               <a:t>‹#›</a:t>
             </a:fld>
@@ -921,7 +921,7 @@
     </p:spTree>
     <p:extLst>
       <p:ext uri="{BB962C8B-B14F-4D97-AF65-F5344CB8AC3E}">
-        <p14:creationId xmlns:p14="http://schemas.microsoft.com/office/powerpoint/2010/main" val="129963904"/>
+        <p14:creationId xmlns:p14="http://schemas.microsoft.com/office/powerpoint/2010/main" val="3765520971"/>
       </p:ext>
     </p:extLst>
   </p:cSld>
@@ -953,7 +953,7 @@
           <p:cNvPr id="2" name="标题 1">
             <a:extLst>
               <a:ext uri="{FF2B5EF4-FFF2-40B4-BE49-F238E27FC236}">
-                <a16:creationId xmlns:a16="http://schemas.microsoft.com/office/drawing/2014/main" id="{6D6B928E-6971-E5BF-FD66-2D99D38A32A8}"/>
+                <a16:creationId xmlns:a16="http://schemas.microsoft.com/office/drawing/2014/main" id="{CC5B1F9F-5F7C-27C3-1871-77B0EE8D3A8E}"/>
               </a:ext>
             </a:extLst>
           </p:cNvPr>
@@ -990,7 +990,7 @@
           <p:cNvPr id="3" name="文本占位符 2">
             <a:extLst>
               <a:ext uri="{FF2B5EF4-FFF2-40B4-BE49-F238E27FC236}">
-                <a16:creationId xmlns:a16="http://schemas.microsoft.com/office/drawing/2014/main" id="{F63987E6-8B1E-D63B-513E-E260346D6896}"/>
+                <a16:creationId xmlns:a16="http://schemas.microsoft.com/office/drawing/2014/main" id="{6D78CD2B-5FD0-3B94-233F-717055D397BD}"/>
               </a:ext>
             </a:extLst>
           </p:cNvPr>
@@ -1115,7 +1115,7 @@
           <p:cNvPr id="4" name="日期占位符 3">
             <a:extLst>
               <a:ext uri="{FF2B5EF4-FFF2-40B4-BE49-F238E27FC236}">
-                <a16:creationId xmlns:a16="http://schemas.microsoft.com/office/drawing/2014/main" id="{686A53EF-AA3E-5BFE-C6EA-8B7F69CBB1A3}"/>
+                <a16:creationId xmlns:a16="http://schemas.microsoft.com/office/drawing/2014/main" id="{BFCA0FE5-9594-88A4-5AE0-FC16FF5A3CF3}"/>
               </a:ext>
             </a:extLst>
           </p:cNvPr>
@@ -1131,7 +1131,7 @@
           <a:bodyPr/>
           <a:lstStyle/>
           <a:p>
-            <a:fld id="{8A3BF521-FAF5-4248-9DC6-854EA6502A6D}" type="datetimeFigureOut">
+            <a:fld id="{A148FCFC-6AC7-45AD-A03F-F23A1D90B9B7}" type="datetimeFigureOut">
               <a:rPr lang="zh-CN" altLang="en-US" smtClean="0"/>
               <a:t>2024/3/10</a:t>
             </a:fld>
@@ -1144,7 +1144,7 @@
           <p:cNvPr id="5" name="页脚占位符 4">
             <a:extLst>
               <a:ext uri="{FF2B5EF4-FFF2-40B4-BE49-F238E27FC236}">
-                <a16:creationId xmlns:a16="http://schemas.microsoft.com/office/drawing/2014/main" id="{E860C478-03EC-0AF7-1376-95BEC4BC6B1A}"/>
+                <a16:creationId xmlns:a16="http://schemas.microsoft.com/office/drawing/2014/main" id="{6FDE8147-E0D7-57E2-39C6-982BFE2E0B86}"/>
               </a:ext>
             </a:extLst>
           </p:cNvPr>
@@ -1169,7 +1169,7 @@
           <p:cNvPr id="6" name="灯片编号占位符 5">
             <a:extLst>
               <a:ext uri="{FF2B5EF4-FFF2-40B4-BE49-F238E27FC236}">
-                <a16:creationId xmlns:a16="http://schemas.microsoft.com/office/drawing/2014/main" id="{0BB95856-70A7-9DB4-B5DF-CF22E43F67F8}"/>
+                <a16:creationId xmlns:a16="http://schemas.microsoft.com/office/drawing/2014/main" id="{19BFE4A9-4F61-1C5D-433F-A4BCC9B24C8D}"/>
               </a:ext>
             </a:extLst>
           </p:cNvPr>
@@ -1185,7 +1185,7 @@
           <a:bodyPr/>
           <a:lstStyle/>
           <a:p>
-            <a:fld id="{B01B8BA1-1AB6-4131-8C62-4F5E3A681A53}" type="slidenum">
+            <a:fld id="{1C4B429D-50BE-4C6E-A107-F97EEDEA341A}" type="slidenum">
               <a:rPr lang="zh-CN" altLang="en-US" smtClean="0"/>
               <a:t>‹#›</a:t>
             </a:fld>
@@ -1196,7 +1196,7 @@
     </p:spTree>
     <p:extLst>
       <p:ext uri="{BB962C8B-B14F-4D97-AF65-F5344CB8AC3E}">
-        <p14:creationId xmlns:p14="http://schemas.microsoft.com/office/powerpoint/2010/main" val="3492787804"/>
+        <p14:creationId xmlns:p14="http://schemas.microsoft.com/office/powerpoint/2010/main" val="1152667313"/>
       </p:ext>
     </p:extLst>
   </p:cSld>
@@ -1228,7 +1228,7 @@
           <p:cNvPr id="2" name="标题 1">
             <a:extLst>
               <a:ext uri="{FF2B5EF4-FFF2-40B4-BE49-F238E27FC236}">
-                <a16:creationId xmlns:a16="http://schemas.microsoft.com/office/drawing/2014/main" id="{840EB62D-BFBB-199A-6B96-EA24F6168392}"/>
+                <a16:creationId xmlns:a16="http://schemas.microsoft.com/office/drawing/2014/main" id="{CDB07E12-051A-9B98-40F8-D77F034AFC2D}"/>
               </a:ext>
             </a:extLst>
           </p:cNvPr>
@@ -1256,7 +1256,7 @@
           <p:cNvPr id="3" name="内容占位符 2">
             <a:extLst>
               <a:ext uri="{FF2B5EF4-FFF2-40B4-BE49-F238E27FC236}">
-                <a16:creationId xmlns:a16="http://schemas.microsoft.com/office/drawing/2014/main" id="{12338D2C-42EF-2B2C-A8A1-D7D7B1A0E684}"/>
+                <a16:creationId xmlns:a16="http://schemas.microsoft.com/office/drawing/2014/main" id="{B32111EB-0277-6D8C-A598-3DC11AE94A1B}"/>
               </a:ext>
             </a:extLst>
           </p:cNvPr>
@@ -1318,7 +1318,7 @@
           <p:cNvPr id="4" name="内容占位符 3">
             <a:extLst>
               <a:ext uri="{FF2B5EF4-FFF2-40B4-BE49-F238E27FC236}">
-                <a16:creationId xmlns:a16="http://schemas.microsoft.com/office/drawing/2014/main" id="{01D8D4CC-D7EE-B0C8-BAA8-A8EA2FF703C3}"/>
+                <a16:creationId xmlns:a16="http://schemas.microsoft.com/office/drawing/2014/main" id="{1DE96193-B8BC-62E5-5B53-8700CBABB1E2}"/>
               </a:ext>
             </a:extLst>
           </p:cNvPr>
@@ -1380,7 +1380,7 @@
           <p:cNvPr id="5" name="日期占位符 4">
             <a:extLst>
               <a:ext uri="{FF2B5EF4-FFF2-40B4-BE49-F238E27FC236}">
-                <a16:creationId xmlns:a16="http://schemas.microsoft.com/office/drawing/2014/main" id="{12F86C8D-A416-625E-C0BB-679172A74406}"/>
+                <a16:creationId xmlns:a16="http://schemas.microsoft.com/office/drawing/2014/main" id="{537FF949-2F24-4449-CEAB-54C97010B368}"/>
               </a:ext>
             </a:extLst>
           </p:cNvPr>
@@ -1396,7 +1396,7 @@
           <a:bodyPr/>
           <a:lstStyle/>
           <a:p>
-            <a:fld id="{8A3BF521-FAF5-4248-9DC6-854EA6502A6D}" type="datetimeFigureOut">
+            <a:fld id="{A148FCFC-6AC7-45AD-A03F-F23A1D90B9B7}" type="datetimeFigureOut">
               <a:rPr lang="zh-CN" altLang="en-US" smtClean="0"/>
               <a:t>2024/3/10</a:t>
             </a:fld>
@@ -1409,7 +1409,7 @@
           <p:cNvPr id="6" name="页脚占位符 5">
             <a:extLst>
               <a:ext uri="{FF2B5EF4-FFF2-40B4-BE49-F238E27FC236}">
-                <a16:creationId xmlns:a16="http://schemas.microsoft.com/office/drawing/2014/main" id="{C4CD98AB-C3B4-BAA4-F936-11C6C53CB5B7}"/>
+                <a16:creationId xmlns:a16="http://schemas.microsoft.com/office/drawing/2014/main" id="{456BE165-4DA6-013B-EE46-AD41D90E10D8}"/>
               </a:ext>
             </a:extLst>
           </p:cNvPr>
@@ -1434,7 +1434,7 @@
           <p:cNvPr id="7" name="灯片编号占位符 6">
             <a:extLst>
               <a:ext uri="{FF2B5EF4-FFF2-40B4-BE49-F238E27FC236}">
-                <a16:creationId xmlns:a16="http://schemas.microsoft.com/office/drawing/2014/main" id="{22FA188B-87DC-40AC-3281-A27835F1BCC9}"/>
+                <a16:creationId xmlns:a16="http://schemas.microsoft.com/office/drawing/2014/main" id="{A781C8DC-58B7-D694-27AB-BB9C80D01B3A}"/>
               </a:ext>
             </a:extLst>
           </p:cNvPr>
@@ -1450,7 +1450,7 @@
           <a:bodyPr/>
           <a:lstStyle/>
           <a:p>
-            <a:fld id="{B01B8BA1-1AB6-4131-8C62-4F5E3A681A53}" type="slidenum">
+            <a:fld id="{1C4B429D-50BE-4C6E-A107-F97EEDEA341A}" type="slidenum">
               <a:rPr lang="zh-CN" altLang="en-US" smtClean="0"/>
               <a:t>‹#›</a:t>
             </a:fld>
@@ -1461,7 +1461,7 @@
     </p:spTree>
     <p:extLst>
       <p:ext uri="{BB962C8B-B14F-4D97-AF65-F5344CB8AC3E}">
-        <p14:creationId xmlns:p14="http://schemas.microsoft.com/office/powerpoint/2010/main" val="2705462220"/>
+        <p14:creationId xmlns:p14="http://schemas.microsoft.com/office/powerpoint/2010/main" val="1833142132"/>
       </p:ext>
     </p:extLst>
   </p:cSld>
@@ -1493,7 +1493,7 @@
           <p:cNvPr id="2" name="标题 1">
             <a:extLst>
               <a:ext uri="{FF2B5EF4-FFF2-40B4-BE49-F238E27FC236}">
-                <a16:creationId xmlns:a16="http://schemas.microsoft.com/office/drawing/2014/main" id="{7575D010-7D25-3F71-F7FF-FAFF6A4389C3}"/>
+                <a16:creationId xmlns:a16="http://schemas.microsoft.com/office/drawing/2014/main" id="{24B18D8F-4744-A844-8744-981960881C67}"/>
               </a:ext>
             </a:extLst>
           </p:cNvPr>
@@ -1526,7 +1526,7 @@
           <p:cNvPr id="3" name="文本占位符 2">
             <a:extLst>
               <a:ext uri="{FF2B5EF4-FFF2-40B4-BE49-F238E27FC236}">
-                <a16:creationId xmlns:a16="http://schemas.microsoft.com/office/drawing/2014/main" id="{7D548FDB-3524-4253-4964-AE313053C734}"/>
+                <a16:creationId xmlns:a16="http://schemas.microsoft.com/office/drawing/2014/main" id="{F1B2E32D-871A-D8AE-8D15-E5A0EEBEFA23}"/>
               </a:ext>
             </a:extLst>
           </p:cNvPr>
@@ -1597,7 +1597,7 @@
           <p:cNvPr id="4" name="内容占位符 3">
             <a:extLst>
               <a:ext uri="{FF2B5EF4-FFF2-40B4-BE49-F238E27FC236}">
-                <a16:creationId xmlns:a16="http://schemas.microsoft.com/office/drawing/2014/main" id="{04B47C8A-DC08-0C94-BB51-2699F9D5D381}"/>
+                <a16:creationId xmlns:a16="http://schemas.microsoft.com/office/drawing/2014/main" id="{1A6C39F9-5DBD-950E-885C-58CD22147225}"/>
               </a:ext>
             </a:extLst>
           </p:cNvPr>
@@ -1659,7 +1659,7 @@
           <p:cNvPr id="5" name="文本占位符 4">
             <a:extLst>
               <a:ext uri="{FF2B5EF4-FFF2-40B4-BE49-F238E27FC236}">
-                <a16:creationId xmlns:a16="http://schemas.microsoft.com/office/drawing/2014/main" id="{B984E686-DE4E-C8CA-2FCF-1F8D1044DAEB}"/>
+                <a16:creationId xmlns:a16="http://schemas.microsoft.com/office/drawing/2014/main" id="{654C94E8-6220-5419-9A2F-21BD21B60C7C}"/>
               </a:ext>
             </a:extLst>
           </p:cNvPr>
@@ -1730,7 +1730,7 @@
           <p:cNvPr id="6" name="内容占位符 5">
             <a:extLst>
               <a:ext uri="{FF2B5EF4-FFF2-40B4-BE49-F238E27FC236}">
-                <a16:creationId xmlns:a16="http://schemas.microsoft.com/office/drawing/2014/main" id="{F53532AF-F65E-B82D-A353-E2ABE53402EE}"/>
+                <a16:creationId xmlns:a16="http://schemas.microsoft.com/office/drawing/2014/main" id="{FD02195B-3AE1-B7AB-82DE-F05F1F5FE140}"/>
               </a:ext>
             </a:extLst>
           </p:cNvPr>
@@ -1792,7 +1792,7 @@
           <p:cNvPr id="7" name="日期占位符 6">
             <a:extLst>
               <a:ext uri="{FF2B5EF4-FFF2-40B4-BE49-F238E27FC236}">
-                <a16:creationId xmlns:a16="http://schemas.microsoft.com/office/drawing/2014/main" id="{41E1395E-A1BD-D17C-BDB8-C47BDDF15DBC}"/>
+                <a16:creationId xmlns:a16="http://schemas.microsoft.com/office/drawing/2014/main" id="{61533DED-D93F-2EA7-554E-48B30BED4FAE}"/>
               </a:ext>
             </a:extLst>
           </p:cNvPr>
@@ -1808,7 +1808,7 @@
           <a:bodyPr/>
           <a:lstStyle/>
           <a:p>
-            <a:fld id="{8A3BF521-FAF5-4248-9DC6-854EA6502A6D}" type="datetimeFigureOut">
+            <a:fld id="{A148FCFC-6AC7-45AD-A03F-F23A1D90B9B7}" type="datetimeFigureOut">
               <a:rPr lang="zh-CN" altLang="en-US" smtClean="0"/>
               <a:t>2024/3/10</a:t>
             </a:fld>
@@ -1821,7 +1821,7 @@
           <p:cNvPr id="8" name="页脚占位符 7">
             <a:extLst>
               <a:ext uri="{FF2B5EF4-FFF2-40B4-BE49-F238E27FC236}">
-                <a16:creationId xmlns:a16="http://schemas.microsoft.com/office/drawing/2014/main" id="{D0BCF58E-C748-2003-1A85-562ABC205E80}"/>
+                <a16:creationId xmlns:a16="http://schemas.microsoft.com/office/drawing/2014/main" id="{D470B93F-292B-59F7-D436-4C4B14779082}"/>
               </a:ext>
             </a:extLst>
           </p:cNvPr>
@@ -1846,7 +1846,7 @@
           <p:cNvPr id="9" name="灯片编号占位符 8">
             <a:extLst>
               <a:ext uri="{FF2B5EF4-FFF2-40B4-BE49-F238E27FC236}">
-                <a16:creationId xmlns:a16="http://schemas.microsoft.com/office/drawing/2014/main" id="{B437BBBA-86BA-F406-3B0F-1B1B9E804177}"/>
+                <a16:creationId xmlns:a16="http://schemas.microsoft.com/office/drawing/2014/main" id="{61F17FA8-21D0-6A98-5B2D-E3ADD1C4DE63}"/>
               </a:ext>
             </a:extLst>
           </p:cNvPr>
@@ -1862,7 +1862,7 @@
           <a:bodyPr/>
           <a:lstStyle/>
           <a:p>
-            <a:fld id="{B01B8BA1-1AB6-4131-8C62-4F5E3A681A53}" type="slidenum">
+            <a:fld id="{1C4B429D-50BE-4C6E-A107-F97EEDEA341A}" type="slidenum">
               <a:rPr lang="zh-CN" altLang="en-US" smtClean="0"/>
               <a:t>‹#›</a:t>
             </a:fld>
@@ -1873,7 +1873,7 @@
     </p:spTree>
     <p:extLst>
       <p:ext uri="{BB962C8B-B14F-4D97-AF65-F5344CB8AC3E}">
-        <p14:creationId xmlns:p14="http://schemas.microsoft.com/office/powerpoint/2010/main" val="452780051"/>
+        <p14:creationId xmlns:p14="http://schemas.microsoft.com/office/powerpoint/2010/main" val="739227480"/>
       </p:ext>
     </p:extLst>
   </p:cSld>
@@ -1905,7 +1905,7 @@
           <p:cNvPr id="2" name="标题 1">
             <a:extLst>
               <a:ext uri="{FF2B5EF4-FFF2-40B4-BE49-F238E27FC236}">
-                <a16:creationId xmlns:a16="http://schemas.microsoft.com/office/drawing/2014/main" id="{3BC62A1C-0D69-F882-9623-6AD230411674}"/>
+                <a16:creationId xmlns:a16="http://schemas.microsoft.com/office/drawing/2014/main" id="{EAC4C371-2490-BD5E-B36B-C0AE580FFD71}"/>
               </a:ext>
             </a:extLst>
           </p:cNvPr>
@@ -1933,7 +1933,7 @@
           <p:cNvPr id="3" name="日期占位符 2">
             <a:extLst>
               <a:ext uri="{FF2B5EF4-FFF2-40B4-BE49-F238E27FC236}">
-                <a16:creationId xmlns:a16="http://schemas.microsoft.com/office/drawing/2014/main" id="{B817D222-F2DF-E4AE-A2EA-35F0BC7FC611}"/>
+                <a16:creationId xmlns:a16="http://schemas.microsoft.com/office/drawing/2014/main" id="{73B217E1-C20F-27E3-F247-B0DD7F277283}"/>
               </a:ext>
             </a:extLst>
           </p:cNvPr>
@@ -1949,7 +1949,7 @@
           <a:bodyPr/>
           <a:lstStyle/>
           <a:p>
-            <a:fld id="{8A3BF521-FAF5-4248-9DC6-854EA6502A6D}" type="datetimeFigureOut">
+            <a:fld id="{A148FCFC-6AC7-45AD-A03F-F23A1D90B9B7}" type="datetimeFigureOut">
               <a:rPr lang="zh-CN" altLang="en-US" smtClean="0"/>
               <a:t>2024/3/10</a:t>
             </a:fld>
@@ -1962,7 +1962,7 @@
           <p:cNvPr id="4" name="页脚占位符 3">
             <a:extLst>
               <a:ext uri="{FF2B5EF4-FFF2-40B4-BE49-F238E27FC236}">
-                <a16:creationId xmlns:a16="http://schemas.microsoft.com/office/drawing/2014/main" id="{295FE7B8-CDF1-1E14-9B2E-F44A267587A3}"/>
+                <a16:creationId xmlns:a16="http://schemas.microsoft.com/office/drawing/2014/main" id="{E8E7D5B2-A72A-3685-BA64-765D6A7EA3ED}"/>
               </a:ext>
             </a:extLst>
           </p:cNvPr>
@@ -1987,7 +1987,7 @@
           <p:cNvPr id="5" name="灯片编号占位符 4">
             <a:extLst>
               <a:ext uri="{FF2B5EF4-FFF2-40B4-BE49-F238E27FC236}">
-                <a16:creationId xmlns:a16="http://schemas.microsoft.com/office/drawing/2014/main" id="{2701A083-0350-DBBC-EDA0-0911C3F1E035}"/>
+                <a16:creationId xmlns:a16="http://schemas.microsoft.com/office/drawing/2014/main" id="{D83C9162-A32D-3D5D-7F48-2C65C85A510B}"/>
               </a:ext>
             </a:extLst>
           </p:cNvPr>
@@ -2003,7 +2003,7 @@
           <a:bodyPr/>
           <a:lstStyle/>
           <a:p>
-            <a:fld id="{B01B8BA1-1AB6-4131-8C62-4F5E3A681A53}" type="slidenum">
+            <a:fld id="{1C4B429D-50BE-4C6E-A107-F97EEDEA341A}" type="slidenum">
               <a:rPr lang="zh-CN" altLang="en-US" smtClean="0"/>
               <a:t>‹#›</a:t>
             </a:fld>
@@ -2014,7 +2014,7 @@
     </p:spTree>
     <p:extLst>
       <p:ext uri="{BB962C8B-B14F-4D97-AF65-F5344CB8AC3E}">
-        <p14:creationId xmlns:p14="http://schemas.microsoft.com/office/powerpoint/2010/main" val="1036475862"/>
+        <p14:creationId xmlns:p14="http://schemas.microsoft.com/office/powerpoint/2010/main" val="1566507065"/>
       </p:ext>
     </p:extLst>
   </p:cSld>
@@ -2046,7 +2046,7 @@
           <p:cNvPr id="2" name="日期占位符 1">
             <a:extLst>
               <a:ext uri="{FF2B5EF4-FFF2-40B4-BE49-F238E27FC236}">
-                <a16:creationId xmlns:a16="http://schemas.microsoft.com/office/drawing/2014/main" id="{7BA8E13B-8E54-11E2-8095-B8032FF36BA2}"/>
+                <a16:creationId xmlns:a16="http://schemas.microsoft.com/office/drawing/2014/main" id="{35B72981-15F9-E179-599F-63122CA968EE}"/>
               </a:ext>
             </a:extLst>
           </p:cNvPr>
@@ -2062,7 +2062,7 @@
           <a:bodyPr/>
           <a:lstStyle/>
           <a:p>
-            <a:fld id="{8A3BF521-FAF5-4248-9DC6-854EA6502A6D}" type="datetimeFigureOut">
+            <a:fld id="{A148FCFC-6AC7-45AD-A03F-F23A1D90B9B7}" type="datetimeFigureOut">
               <a:rPr lang="zh-CN" altLang="en-US" smtClean="0"/>
               <a:t>2024/3/10</a:t>
             </a:fld>
@@ -2075,7 +2075,7 @@
           <p:cNvPr id="3" name="页脚占位符 2">
             <a:extLst>
               <a:ext uri="{FF2B5EF4-FFF2-40B4-BE49-F238E27FC236}">
-                <a16:creationId xmlns:a16="http://schemas.microsoft.com/office/drawing/2014/main" id="{0C0386E7-BA00-26F1-C004-C4F418765BE7}"/>
+                <a16:creationId xmlns:a16="http://schemas.microsoft.com/office/drawing/2014/main" id="{47ECB951-71E6-0CDC-A4B9-6AB29E55E462}"/>
               </a:ext>
             </a:extLst>
           </p:cNvPr>
@@ -2100,7 +2100,7 @@
           <p:cNvPr id="4" name="灯片编号占位符 3">
             <a:extLst>
               <a:ext uri="{FF2B5EF4-FFF2-40B4-BE49-F238E27FC236}">
-                <a16:creationId xmlns:a16="http://schemas.microsoft.com/office/drawing/2014/main" id="{20631293-F545-7D88-C584-49374C5E7C4E}"/>
+                <a16:creationId xmlns:a16="http://schemas.microsoft.com/office/drawing/2014/main" id="{715CB576-AD18-E465-2055-4A849C995BDA}"/>
               </a:ext>
             </a:extLst>
           </p:cNvPr>
@@ -2116,7 +2116,7 @@
           <a:bodyPr/>
           <a:lstStyle/>
           <a:p>
-            <a:fld id="{B01B8BA1-1AB6-4131-8C62-4F5E3A681A53}" type="slidenum">
+            <a:fld id="{1C4B429D-50BE-4C6E-A107-F97EEDEA341A}" type="slidenum">
               <a:rPr lang="zh-CN" altLang="en-US" smtClean="0"/>
               <a:t>‹#›</a:t>
             </a:fld>
@@ -2127,7 +2127,7 @@
     </p:spTree>
     <p:extLst>
       <p:ext uri="{BB962C8B-B14F-4D97-AF65-F5344CB8AC3E}">
-        <p14:creationId xmlns:p14="http://schemas.microsoft.com/office/powerpoint/2010/main" val="2059902294"/>
+        <p14:creationId xmlns:p14="http://schemas.microsoft.com/office/powerpoint/2010/main" val="654488596"/>
       </p:ext>
     </p:extLst>
   </p:cSld>
@@ -2159,7 +2159,7 @@
           <p:cNvPr id="2" name="标题 1">
             <a:extLst>
               <a:ext uri="{FF2B5EF4-FFF2-40B4-BE49-F238E27FC236}">
-                <a16:creationId xmlns:a16="http://schemas.microsoft.com/office/drawing/2014/main" id="{808D21FC-6481-30F5-1A90-C592A2B5244E}"/>
+                <a16:creationId xmlns:a16="http://schemas.microsoft.com/office/drawing/2014/main" id="{3EACD190-F970-CB76-CE5A-7BE57D2CEC82}"/>
               </a:ext>
             </a:extLst>
           </p:cNvPr>
@@ -2196,7 +2196,7 @@
           <p:cNvPr id="3" name="内容占位符 2">
             <a:extLst>
               <a:ext uri="{FF2B5EF4-FFF2-40B4-BE49-F238E27FC236}">
-                <a16:creationId xmlns:a16="http://schemas.microsoft.com/office/drawing/2014/main" id="{11F695AF-8B48-ECC8-793B-32F97E267F01}"/>
+                <a16:creationId xmlns:a16="http://schemas.microsoft.com/office/drawing/2014/main" id="{512A6526-2EE4-B768-DBD5-4A5587229488}"/>
               </a:ext>
             </a:extLst>
           </p:cNvPr>
@@ -2286,7 +2286,7 @@
           <p:cNvPr id="4" name="文本占位符 3">
             <a:extLst>
               <a:ext uri="{FF2B5EF4-FFF2-40B4-BE49-F238E27FC236}">
-                <a16:creationId xmlns:a16="http://schemas.microsoft.com/office/drawing/2014/main" id="{6F7F098D-190B-A0A5-D750-2B843DE7E187}"/>
+                <a16:creationId xmlns:a16="http://schemas.microsoft.com/office/drawing/2014/main" id="{24F58A5B-0F06-9498-A4C0-D622CE1DE1E6}"/>
               </a:ext>
             </a:extLst>
           </p:cNvPr>
@@ -2357,7 +2357,7 @@
           <p:cNvPr id="5" name="日期占位符 4">
             <a:extLst>
               <a:ext uri="{FF2B5EF4-FFF2-40B4-BE49-F238E27FC236}">
-                <a16:creationId xmlns:a16="http://schemas.microsoft.com/office/drawing/2014/main" id="{D2D10689-474E-6354-FACA-8AA7AFEBA44A}"/>
+                <a16:creationId xmlns:a16="http://schemas.microsoft.com/office/drawing/2014/main" id="{3349C8E3-5E44-89D5-6A31-331F4C412DA8}"/>
               </a:ext>
             </a:extLst>
           </p:cNvPr>
@@ -2373,7 +2373,7 @@
           <a:bodyPr/>
           <a:lstStyle/>
           <a:p>
-            <a:fld id="{8A3BF521-FAF5-4248-9DC6-854EA6502A6D}" type="datetimeFigureOut">
+            <a:fld id="{A148FCFC-6AC7-45AD-A03F-F23A1D90B9B7}" type="datetimeFigureOut">
               <a:rPr lang="zh-CN" altLang="en-US" smtClean="0"/>
               <a:t>2024/3/10</a:t>
             </a:fld>
@@ -2386,7 +2386,7 @@
           <p:cNvPr id="6" name="页脚占位符 5">
             <a:extLst>
               <a:ext uri="{FF2B5EF4-FFF2-40B4-BE49-F238E27FC236}">
-                <a16:creationId xmlns:a16="http://schemas.microsoft.com/office/drawing/2014/main" id="{8B28E814-163C-A786-3145-D1CED252F550}"/>
+                <a16:creationId xmlns:a16="http://schemas.microsoft.com/office/drawing/2014/main" id="{99CBD275-1514-164E-650F-407D608B62D7}"/>
               </a:ext>
             </a:extLst>
           </p:cNvPr>
@@ -2411,7 +2411,7 @@
           <p:cNvPr id="7" name="灯片编号占位符 6">
             <a:extLst>
               <a:ext uri="{FF2B5EF4-FFF2-40B4-BE49-F238E27FC236}">
-                <a16:creationId xmlns:a16="http://schemas.microsoft.com/office/drawing/2014/main" id="{96FB4F6C-91E4-8B01-A539-2C9848932737}"/>
+                <a16:creationId xmlns:a16="http://schemas.microsoft.com/office/drawing/2014/main" id="{14CB2985-1B59-AE87-3A4F-50D88A7A8DC3}"/>
               </a:ext>
             </a:extLst>
           </p:cNvPr>
@@ -2427,7 +2427,7 @@
           <a:bodyPr/>
           <a:lstStyle/>
           <a:p>
-            <a:fld id="{B01B8BA1-1AB6-4131-8C62-4F5E3A681A53}" type="slidenum">
+            <a:fld id="{1C4B429D-50BE-4C6E-A107-F97EEDEA341A}" type="slidenum">
               <a:rPr lang="zh-CN" altLang="en-US" smtClean="0"/>
               <a:t>‹#›</a:t>
             </a:fld>
@@ -2438,7 +2438,7 @@
     </p:spTree>
     <p:extLst>
       <p:ext uri="{BB962C8B-B14F-4D97-AF65-F5344CB8AC3E}">
-        <p14:creationId xmlns:p14="http://schemas.microsoft.com/office/powerpoint/2010/main" val="324505362"/>
+        <p14:creationId xmlns:p14="http://schemas.microsoft.com/office/powerpoint/2010/main" val="1201407253"/>
       </p:ext>
     </p:extLst>
   </p:cSld>
@@ -2470,7 +2470,7 @@
           <p:cNvPr id="2" name="标题 1">
             <a:extLst>
               <a:ext uri="{FF2B5EF4-FFF2-40B4-BE49-F238E27FC236}">
-                <a16:creationId xmlns:a16="http://schemas.microsoft.com/office/drawing/2014/main" id="{79548A55-9123-B45D-69C3-B48B87FD2DAB}"/>
+                <a16:creationId xmlns:a16="http://schemas.microsoft.com/office/drawing/2014/main" id="{C2F7E0F9-6F4D-6659-A6FB-D37500EDDD56}"/>
               </a:ext>
             </a:extLst>
           </p:cNvPr>
@@ -2507,7 +2507,7 @@
           <p:cNvPr id="3" name="图片占位符 2">
             <a:extLst>
               <a:ext uri="{FF2B5EF4-FFF2-40B4-BE49-F238E27FC236}">
-                <a16:creationId xmlns:a16="http://schemas.microsoft.com/office/drawing/2014/main" id="{E027A143-ABF4-C082-637C-1AF4D21FC4DC}"/>
+                <a16:creationId xmlns:a16="http://schemas.microsoft.com/office/drawing/2014/main" id="{77B3E62F-3211-3EEB-F685-E603A06C27C7}"/>
               </a:ext>
             </a:extLst>
           </p:cNvPr>
@@ -2574,7 +2574,7 @@
           <p:cNvPr id="4" name="文本占位符 3">
             <a:extLst>
               <a:ext uri="{FF2B5EF4-FFF2-40B4-BE49-F238E27FC236}">
-                <a16:creationId xmlns:a16="http://schemas.microsoft.com/office/drawing/2014/main" id="{49634AC0-064B-1030-8A82-BCF9A846B6B5}"/>
+                <a16:creationId xmlns:a16="http://schemas.microsoft.com/office/drawing/2014/main" id="{C951A449-32B5-F2E2-9AA6-4688BC4DC907}"/>
               </a:ext>
             </a:extLst>
           </p:cNvPr>
@@ -2645,7 +2645,7 @@
           <p:cNvPr id="5" name="日期占位符 4">
             <a:extLst>
               <a:ext uri="{FF2B5EF4-FFF2-40B4-BE49-F238E27FC236}">
-                <a16:creationId xmlns:a16="http://schemas.microsoft.com/office/drawing/2014/main" id="{C0495A19-A8CB-D8B8-F84F-681DA12263C5}"/>
+                <a16:creationId xmlns:a16="http://schemas.microsoft.com/office/drawing/2014/main" id="{9CA89109-222C-52BD-5FE0-C37E52CFE814}"/>
               </a:ext>
             </a:extLst>
           </p:cNvPr>
@@ -2661,7 +2661,7 @@
           <a:bodyPr/>
           <a:lstStyle/>
           <a:p>
-            <a:fld id="{8A3BF521-FAF5-4248-9DC6-854EA6502A6D}" type="datetimeFigureOut">
+            <a:fld id="{A148FCFC-6AC7-45AD-A03F-F23A1D90B9B7}" type="datetimeFigureOut">
               <a:rPr lang="zh-CN" altLang="en-US" smtClean="0"/>
               <a:t>2024/3/10</a:t>
             </a:fld>
@@ -2674,7 +2674,7 @@
           <p:cNvPr id="6" name="页脚占位符 5">
             <a:extLst>
               <a:ext uri="{FF2B5EF4-FFF2-40B4-BE49-F238E27FC236}">
-                <a16:creationId xmlns:a16="http://schemas.microsoft.com/office/drawing/2014/main" id="{EB0E2568-611C-9A87-58FE-6F571EC5E177}"/>
+                <a16:creationId xmlns:a16="http://schemas.microsoft.com/office/drawing/2014/main" id="{34CA4332-B3DB-9946-A863-76FA11C0391E}"/>
               </a:ext>
             </a:extLst>
           </p:cNvPr>
@@ -2699,7 +2699,7 @@
           <p:cNvPr id="7" name="灯片编号占位符 6">
             <a:extLst>
               <a:ext uri="{FF2B5EF4-FFF2-40B4-BE49-F238E27FC236}">
-                <a16:creationId xmlns:a16="http://schemas.microsoft.com/office/drawing/2014/main" id="{25510E7E-A909-65C4-FD9C-8CE4FED2A79B}"/>
+                <a16:creationId xmlns:a16="http://schemas.microsoft.com/office/drawing/2014/main" id="{C9656E6E-65F3-ED43-060B-52D8D70F303B}"/>
               </a:ext>
             </a:extLst>
           </p:cNvPr>
@@ -2715,7 +2715,7 @@
           <a:bodyPr/>
           <a:lstStyle/>
           <a:p>
-            <a:fld id="{B01B8BA1-1AB6-4131-8C62-4F5E3A681A53}" type="slidenum">
+            <a:fld id="{1C4B429D-50BE-4C6E-A107-F97EEDEA341A}" type="slidenum">
               <a:rPr lang="zh-CN" altLang="en-US" smtClean="0"/>
               <a:t>‹#›</a:t>
             </a:fld>
@@ -2726,7 +2726,7 @@
     </p:spTree>
     <p:extLst>
       <p:ext uri="{BB962C8B-B14F-4D97-AF65-F5344CB8AC3E}">
-        <p14:creationId xmlns:p14="http://schemas.microsoft.com/office/powerpoint/2010/main" val="1299916343"/>
+        <p14:creationId xmlns:p14="http://schemas.microsoft.com/office/powerpoint/2010/main" val="1185025864"/>
       </p:ext>
     </p:extLst>
   </p:cSld>
@@ -2763,7 +2763,7 @@
           <p:cNvPr id="2" name="标题占位符 1">
             <a:extLst>
               <a:ext uri="{FF2B5EF4-FFF2-40B4-BE49-F238E27FC236}">
-                <a16:creationId xmlns:a16="http://schemas.microsoft.com/office/drawing/2014/main" id="{E688BD01-E05A-2F55-7FEA-8B517CF44A00}"/>
+                <a16:creationId xmlns:a16="http://schemas.microsoft.com/office/drawing/2014/main" id="{5AF7A5E0-D35B-A5A3-8544-F80C6E3ACD80}"/>
               </a:ext>
             </a:extLst>
           </p:cNvPr>
@@ -2801,7 +2801,7 @@
           <p:cNvPr id="3" name="文本占位符 2">
             <a:extLst>
               <a:ext uri="{FF2B5EF4-FFF2-40B4-BE49-F238E27FC236}">
-                <a16:creationId xmlns:a16="http://schemas.microsoft.com/office/drawing/2014/main" id="{A7385ECB-8ACA-1DEB-72E0-08C385A58D65}"/>
+                <a16:creationId xmlns:a16="http://schemas.microsoft.com/office/drawing/2014/main" id="{FA8FB3D5-BB99-7C6A-92CA-3CE4CD1A1208}"/>
               </a:ext>
             </a:extLst>
           </p:cNvPr>
@@ -2868,7 +2868,7 @@
           <p:cNvPr id="4" name="日期占位符 3">
             <a:extLst>
               <a:ext uri="{FF2B5EF4-FFF2-40B4-BE49-F238E27FC236}">
-                <a16:creationId xmlns:a16="http://schemas.microsoft.com/office/drawing/2014/main" id="{45E3788B-2440-E18E-6DBF-EA5C91B47128}"/>
+                <a16:creationId xmlns:a16="http://schemas.microsoft.com/office/drawing/2014/main" id="{1AFF8AB4-3DA7-75FC-16E2-C9CD247CB7AD}"/>
               </a:ext>
             </a:extLst>
           </p:cNvPr>
@@ -2902,7 +2902,7 @@
             </a:lvl1pPr>
           </a:lstStyle>
           <a:p>
-            <a:fld id="{8A3BF521-FAF5-4248-9DC6-854EA6502A6D}" type="datetimeFigureOut">
+            <a:fld id="{A148FCFC-6AC7-45AD-A03F-F23A1D90B9B7}" type="datetimeFigureOut">
               <a:rPr lang="zh-CN" altLang="en-US" smtClean="0"/>
               <a:t>2024/3/10</a:t>
             </a:fld>
@@ -2915,7 +2915,7 @@
           <p:cNvPr id="5" name="页脚占位符 4">
             <a:extLst>
               <a:ext uri="{FF2B5EF4-FFF2-40B4-BE49-F238E27FC236}">
-                <a16:creationId xmlns:a16="http://schemas.microsoft.com/office/drawing/2014/main" id="{BBA26C93-569B-0BB1-DF8E-5CD263C47CE5}"/>
+                <a16:creationId xmlns:a16="http://schemas.microsoft.com/office/drawing/2014/main" id="{53DEDC9E-B4D3-EEF5-16A8-DD3FCE3561C5}"/>
               </a:ext>
             </a:extLst>
           </p:cNvPr>
@@ -2958,7 +2958,7 @@
           <p:cNvPr id="6" name="灯片编号占位符 5">
             <a:extLst>
               <a:ext uri="{FF2B5EF4-FFF2-40B4-BE49-F238E27FC236}">
-                <a16:creationId xmlns:a16="http://schemas.microsoft.com/office/drawing/2014/main" id="{2E97B1CB-577E-E715-A505-BE2CFF681118}"/>
+                <a16:creationId xmlns:a16="http://schemas.microsoft.com/office/drawing/2014/main" id="{8E37A714-1393-DFF8-7937-634FB2350044}"/>
               </a:ext>
             </a:extLst>
           </p:cNvPr>
@@ -2992,7 +2992,7 @@
             </a:lvl1pPr>
           </a:lstStyle>
           <a:p>
-            <a:fld id="{B01B8BA1-1AB6-4131-8C62-4F5E3A681A53}" type="slidenum">
+            <a:fld id="{1C4B429D-50BE-4C6E-A107-F97EEDEA341A}" type="slidenum">
               <a:rPr lang="zh-CN" altLang="en-US" smtClean="0"/>
               <a:t>‹#›</a:t>
             </a:fld>
@@ -3003,7 +3003,7 @@
     </p:spTree>
     <p:extLst>
       <p:ext uri="{BB962C8B-B14F-4D97-AF65-F5344CB8AC3E}">
-        <p14:creationId xmlns:p14="http://schemas.microsoft.com/office/powerpoint/2010/main" val="4272265662"/>
+        <p14:creationId xmlns:p14="http://schemas.microsoft.com/office/powerpoint/2010/main" val="3605576668"/>
       </p:ext>
     </p:extLst>
   </p:cSld>
@@ -3323,7 +3323,7 @@
       </p:grpSpPr>
       <p:pic>
         <p:nvPicPr>
-          <p:cNvPr id="1049602" name="Picture 2" descr="1024"/>
+          <p:cNvPr id="1050626" name="Picture 2" descr="1025"/>
           <p:cNvPicPr>
             <a:picLocks noChangeAspect="1" noChangeArrowheads="1"/>
           </p:cNvPicPr>
@@ -3344,8 +3344,8 @@
         </p:blipFill>
         <p:spPr bwMode="auto">
           <a:xfrm>
-            <a:off x="1524001" y="0"/>
-            <a:ext cx="9053513" cy="6789738"/>
+            <a:off x="1543050" y="1"/>
+            <a:ext cx="9124950" cy="6843713"/>
           </a:xfrm>
           <a:prstGeom prst="rect">
             <a:avLst/>
@@ -3375,11 +3375,275 @@
           </a:extLst>
         </p:spPr>
       </p:pic>
+      <p:pic>
+        <p:nvPicPr>
+          <p:cNvPr id="1051651" name="Picture 3" descr="1025-2"/>
+          <p:cNvPicPr>
+            <a:picLocks noChangeAspect="1" noChangeArrowheads="1"/>
+          </p:cNvPicPr>
+          <p:nvPr/>
+        </p:nvPicPr>
+        <p:blipFill>
+          <a:blip r:embed="rId3">
+            <a:extLst>
+              <a:ext uri="{28A0092B-C50C-407E-A947-70E740481C1C}">
+                <a14:useLocalDpi xmlns:a14="http://schemas.microsoft.com/office/drawing/2010/main" val="0"/>
+              </a:ext>
+            </a:extLst>
+          </a:blip>
+          <a:srcRect/>
+          <a:stretch>
+            <a:fillRect/>
+          </a:stretch>
+        </p:blipFill>
+        <p:spPr bwMode="auto">
+          <a:xfrm>
+            <a:off x="1524000" y="1"/>
+            <a:ext cx="9124950" cy="6843713"/>
+          </a:xfrm>
+          <a:prstGeom prst="rect">
+            <a:avLst/>
+          </a:prstGeom>
+          <a:noFill/>
+          <a:ln>
+            <a:noFill/>
+          </a:ln>
+          <a:effectLst/>
+          <a:extLst>
+            <a:ext uri="{909E8E84-426E-40DD-AFC4-6F175D3DCCD1}">
+              <a14:hiddenFill xmlns:a14="http://schemas.microsoft.com/office/drawing/2010/main">
+                <a:solidFill>
+                  <a:srgbClr val="FFFFFF"/>
+                </a:solidFill>
+              </a14:hiddenFill>
+            </a:ext>
+            <a:ext uri="{91240B29-F687-4F45-9708-019B960494DF}">
+              <a14:hiddenLine xmlns:a14="http://schemas.microsoft.com/office/drawing/2010/main" w="9525">
+                <a:solidFill>
+                  <a:srgbClr val="000000"/>
+                </a:solidFill>
+                <a:miter lim="800000"/>
+                <a:headEnd/>
+                <a:tailEnd/>
+              </a14:hiddenLine>
+            </a:ext>
+            <a:ext uri="{AF507438-7753-43E0-B8FC-AC1667EBCBE1}">
+              <a14:hiddenEffects xmlns:a14="http://schemas.microsoft.com/office/drawing/2010/main">
+                <a:effectLst>
+                  <a:outerShdw dist="35921" dir="2700000" algn="ctr" rotWithShape="0">
+                    <a:srgbClr val="808080"/>
+                  </a:outerShdw>
+                </a:effectLst>
+              </a14:hiddenEffects>
+            </a:ext>
+          </a:extLst>
+        </p:spPr>
+      </p:pic>
+      <p:pic>
+        <p:nvPicPr>
+          <p:cNvPr id="1051652" name="Picture 4" descr="1025-3"/>
+          <p:cNvPicPr>
+            <a:picLocks noChangeAspect="1" noChangeArrowheads="1"/>
+          </p:cNvPicPr>
+          <p:nvPr/>
+        </p:nvPicPr>
+        <p:blipFill>
+          <a:blip r:embed="rId4">
+            <a:extLst>
+              <a:ext uri="{28A0092B-C50C-407E-A947-70E740481C1C}">
+                <a14:useLocalDpi xmlns:a14="http://schemas.microsoft.com/office/drawing/2010/main" val="0"/>
+              </a:ext>
+            </a:extLst>
+          </a:blip>
+          <a:srcRect/>
+          <a:stretch>
+            <a:fillRect/>
+          </a:stretch>
+        </p:blipFill>
+        <p:spPr bwMode="auto">
+          <a:xfrm>
+            <a:off x="1524000" y="0"/>
+            <a:ext cx="9124950" cy="6845300"/>
+          </a:xfrm>
+          <a:prstGeom prst="rect">
+            <a:avLst/>
+          </a:prstGeom>
+          <a:noFill/>
+          <a:ln>
+            <a:noFill/>
+          </a:ln>
+          <a:effectLst/>
+          <a:extLst>
+            <a:ext uri="{909E8E84-426E-40DD-AFC4-6F175D3DCCD1}">
+              <a14:hiddenFill xmlns:a14="http://schemas.microsoft.com/office/drawing/2010/main">
+                <a:solidFill>
+                  <a:srgbClr val="FFFFFF"/>
+                </a:solidFill>
+              </a14:hiddenFill>
+            </a:ext>
+            <a:ext uri="{91240B29-F687-4F45-9708-019B960494DF}">
+              <a14:hiddenLine xmlns:a14="http://schemas.microsoft.com/office/drawing/2010/main" w="9525">
+                <a:solidFill>
+                  <a:srgbClr val="000000"/>
+                </a:solidFill>
+                <a:miter lim="800000"/>
+                <a:headEnd/>
+                <a:tailEnd/>
+              </a14:hiddenLine>
+            </a:ext>
+            <a:ext uri="{AF507438-7753-43E0-B8FC-AC1667EBCBE1}">
+              <a14:hiddenEffects xmlns:a14="http://schemas.microsoft.com/office/drawing/2010/main">
+                <a:effectLst>
+                  <a:outerShdw dist="35921" dir="2700000" algn="ctr" rotWithShape="0">
+                    <a:srgbClr val="808080"/>
+                  </a:outerShdw>
+                </a:effectLst>
+              </a14:hiddenEffects>
+            </a:ext>
+          </a:extLst>
+        </p:spPr>
+      </p:pic>
     </p:spTree>
   </p:cSld>
   <p:clrMapOvr>
     <a:masterClrMapping/>
   </p:clrMapOvr>
+  <p:timing>
+    <p:tnLst>
+      <p:par>
+        <p:cTn id="1" dur="indefinite" restart="never" nodeType="tmRoot">
+          <p:childTnLst>
+            <p:seq concurrent="1" nextAc="seek">
+              <p:cTn id="2" dur="indefinite" nodeType="mainSeq">
+                <p:childTnLst>
+                  <p:par>
+                    <p:cTn id="3" fill="hold" nodeType="clickPar">
+                      <p:stCondLst>
+                        <p:cond delay="indefinite"/>
+                      </p:stCondLst>
+                      <p:childTnLst>
+                        <p:par>
+                          <p:cTn id="4" fill="hold" nodeType="withGroup">
+                            <p:stCondLst>
+                              <p:cond delay="0"/>
+                            </p:stCondLst>
+                            <p:childTnLst>
+                              <p:par>
+                                <p:cTn id="5" presetID="10" presetClass="entr" presetSubtype="0" fill="hold" nodeType="clickEffect">
+                                  <p:stCondLst>
+                                    <p:cond delay="0"/>
+                                  </p:stCondLst>
+                                  <p:childTnLst>
+                                    <p:set>
+                                      <p:cBhvr>
+                                        <p:cTn id="6" dur="1" fill="hold">
+                                          <p:stCondLst>
+                                            <p:cond delay="0"/>
+                                          </p:stCondLst>
+                                        </p:cTn>
+                                        <p:tgtEl>
+                                          <p:spTgt spid="1051651"/>
+                                        </p:tgtEl>
+                                        <p:attrNameLst>
+                                          <p:attrName>style.visibility</p:attrName>
+                                        </p:attrNameLst>
+                                      </p:cBhvr>
+                                      <p:to>
+                                        <p:strVal val="visible"/>
+                                      </p:to>
+                                    </p:set>
+                                    <p:animEffect transition="in" filter="fade">
+                                      <p:cBhvr>
+                                        <p:cTn id="7" dur="500"/>
+                                        <p:tgtEl>
+                                          <p:spTgt spid="1051651"/>
+                                        </p:tgtEl>
+                                      </p:cBhvr>
+                                    </p:animEffect>
+                                  </p:childTnLst>
+                                </p:cTn>
+                              </p:par>
+                            </p:childTnLst>
+                          </p:cTn>
+                        </p:par>
+                      </p:childTnLst>
+                    </p:cTn>
+                  </p:par>
+                  <p:par>
+                    <p:cTn id="8" fill="hold" nodeType="clickPar">
+                      <p:stCondLst>
+                        <p:cond delay="indefinite"/>
+                      </p:stCondLst>
+                      <p:childTnLst>
+                        <p:par>
+                          <p:cTn id="9" fill="hold" nodeType="withGroup">
+                            <p:stCondLst>
+                              <p:cond delay="0"/>
+                            </p:stCondLst>
+                            <p:childTnLst>
+                              <p:par>
+                                <p:cTn id="10" presetID="10" presetClass="entr" presetSubtype="0" fill="hold" nodeType="clickEffect">
+                                  <p:stCondLst>
+                                    <p:cond delay="0"/>
+                                  </p:stCondLst>
+                                  <p:childTnLst>
+                                    <p:set>
+                                      <p:cBhvr>
+                                        <p:cTn id="11" dur="1" fill="hold">
+                                          <p:stCondLst>
+                                            <p:cond delay="0"/>
+                                          </p:stCondLst>
+                                        </p:cTn>
+                                        <p:tgtEl>
+                                          <p:spTgt spid="1051652"/>
+                                        </p:tgtEl>
+                                        <p:attrNameLst>
+                                          <p:attrName>style.visibility</p:attrName>
+                                        </p:attrNameLst>
+                                      </p:cBhvr>
+                                      <p:to>
+                                        <p:strVal val="visible"/>
+                                      </p:to>
+                                    </p:set>
+                                    <p:animEffect transition="in" filter="fade">
+                                      <p:cBhvr>
+                                        <p:cTn id="12" dur="500"/>
+                                        <p:tgtEl>
+                                          <p:spTgt spid="1051652"/>
+                                        </p:tgtEl>
+                                      </p:cBhvr>
+                                    </p:animEffect>
+                                  </p:childTnLst>
+                                </p:cTn>
+                              </p:par>
+                            </p:childTnLst>
+                          </p:cTn>
+                        </p:par>
+                      </p:childTnLst>
+                    </p:cTn>
+                  </p:par>
+                </p:childTnLst>
+              </p:cTn>
+              <p:prevCondLst>
+                <p:cond evt="onPrev" delay="0">
+                  <p:tgtEl>
+                    <p:sldTgt/>
+                  </p:tgtEl>
+                </p:cond>
+              </p:prevCondLst>
+              <p:nextCondLst>
+                <p:cond evt="onNext" delay="0">
+                  <p:tgtEl>
+                    <p:sldTgt/>
+                  </p:tgtEl>
+                </p:cond>
+              </p:nextCondLst>
+            </p:seq>
+          </p:childTnLst>
+        </p:cTn>
+      </p:par>
+    </p:tnLst>
+  </p:timing>
 </p:sld>
 </file>
 
